--- a/IT140/Module5/IT 140 Design Presentation Template.pptx
+++ b/IT140/Module5/IT 140 Design Presentation Template.pptx
@@ -110,7 +110,7 @@
   </p:defaultTextStyle>
   <p:extLst>
     <p:ext uri="{EFAFB233-063F-42B5-8137-9DF3F51BA10A}">
-      <p15:sldGuideLst xmlns="" xmlns:p15="http://schemas.microsoft.com/office/powerpoint/2012/main"/>
+      <p15:sldGuideLst xmlns:p15="http://schemas.microsoft.com/office/powerpoint/2012/main" xmlns=""/>
     </p:ext>
   </p:extLst>
 </p:presentation>
@@ -838,7 +838,7 @@
           <a:p>
             <a:fld id="{9AB3A824-1A51-4B26-AD58-A6D8E14F6C04}" type="datetimeFigureOut">
               <a:rPr lang="en-US" smtClean="0"/>
-              <a:t>4/1/2022</a:t>
+              <a:t>5/14/2025</a:t>
             </a:fld>
             <a:endParaRPr lang="en-US" dirty="0"/>
           </a:p>
@@ -1094,7 +1094,7 @@
           <a:p>
             <a:fld id="{3CBC1C18-307B-4F68-A007-B5B542270E8D}" type="datetimeFigureOut">
               <a:rPr lang="en-US" smtClean="0"/>
-              <a:t>4/1/2022</a:t>
+              <a:t>5/14/2025</a:t>
             </a:fld>
             <a:endParaRPr lang="en-US" dirty="0"/>
           </a:p>
@@ -1415,7 +1415,7 @@
           <a:p>
             <a:fld id="{3CBC1C18-307B-4F68-A007-B5B542270E8D}" type="datetimeFigureOut">
               <a:rPr lang="en-US" smtClean="0"/>
-              <a:t>4/1/2022</a:t>
+              <a:t>5/14/2025</a:t>
             </a:fld>
             <a:endParaRPr lang="en-US" dirty="0"/>
           </a:p>
@@ -1763,7 +1763,7 @@
           <a:p>
             <a:fld id="{3CBC1C18-307B-4F68-A007-B5B542270E8D}" type="datetimeFigureOut">
               <a:rPr lang="en-US" smtClean="0"/>
-              <a:t>4/1/2022</a:t>
+              <a:t>5/14/2025</a:t>
             </a:fld>
             <a:endParaRPr lang="en-US" dirty="0"/>
           </a:p>
@@ -2084,7 +2084,7 @@
           <a:p>
             <a:fld id="{3CBC1C18-307B-4F68-A007-B5B542270E8D}" type="datetimeFigureOut">
               <a:rPr lang="en-US" smtClean="0"/>
-              <a:t>4/1/2022</a:t>
+              <a:t>5/14/2025</a:t>
             </a:fld>
             <a:endParaRPr lang="en-US" dirty="0"/>
           </a:p>
@@ -2484,7 +2484,7 @@
           <a:p>
             <a:fld id="{3CBC1C18-307B-4F68-A007-B5B542270E8D}" type="datetimeFigureOut">
               <a:rPr lang="en-US" smtClean="0"/>
-              <a:t>4/1/2022</a:t>
+              <a:t>5/14/2025</a:t>
             </a:fld>
             <a:endParaRPr lang="en-US" dirty="0"/>
           </a:p>
@@ -2661,7 +2661,7 @@
           <a:p>
             <a:fld id="{D857E33E-8B18-4087-B112-809917729534}" type="datetimeFigureOut">
               <a:rPr lang="en-US" smtClean="0"/>
-              <a:t>4/1/2022</a:t>
+              <a:t>5/14/2025</a:t>
             </a:fld>
             <a:endParaRPr lang="en-US" dirty="0"/>
           </a:p>
@@ -2846,7 +2846,7 @@
           <a:p>
             <a:fld id="{D3FFE419-2371-464F-8239-3959401C3561}" type="datetimeFigureOut">
               <a:rPr lang="en-US" smtClean="0"/>
-              <a:t>4/1/2022</a:t>
+              <a:t>5/14/2025</a:t>
             </a:fld>
             <a:endParaRPr lang="en-US" dirty="0"/>
           </a:p>
@@ -3027,7 +3027,7 @@
           <a:p>
             <a:fld id="{97D162C4-EDD9-4389-A98B-B87ECEA2A816}" type="datetimeFigureOut">
               <a:rPr lang="en-US" smtClean="0"/>
-              <a:t>4/1/2022</a:t>
+              <a:t>5/14/2025</a:t>
             </a:fld>
             <a:endParaRPr lang="en-US" dirty="0"/>
           </a:p>
@@ -3279,7 +3279,7 @@
           <a:p>
             <a:fld id="{3E5059C3-6A89-4494-99FF-5A4D6FFD50EB}" type="datetimeFigureOut">
               <a:rPr lang="en-US" smtClean="0"/>
-              <a:t>4/1/2022</a:t>
+              <a:t>5/14/2025</a:t>
             </a:fld>
             <a:endParaRPr lang="en-US" dirty="0"/>
           </a:p>
@@ -3516,7 +3516,7 @@
           <a:p>
             <a:fld id="{CA954B2F-12DE-47F5-8894-472B206D2E1E}" type="datetimeFigureOut">
               <a:rPr lang="en-US" smtClean="0"/>
-              <a:t>4/1/2022</a:t>
+              <a:t>5/14/2025</a:t>
             </a:fld>
             <a:endParaRPr lang="en-US" dirty="0"/>
           </a:p>
@@ -3895,7 +3895,7 @@
           <a:p>
             <a:fld id="{3F30E46F-7819-4ACF-B48B-48222C2ACC88}" type="datetimeFigureOut">
               <a:rPr lang="en-US" smtClean="0"/>
-              <a:t>4/1/2022</a:t>
+              <a:t>5/14/2025</a:t>
             </a:fld>
             <a:endParaRPr lang="en-US" dirty="0"/>
           </a:p>
@@ -4023,7 +4023,7 @@
           <a:p>
             <a:fld id="{1FAF3416-4057-4DAA-829D-4CA07428D088}" type="datetimeFigureOut">
               <a:rPr lang="en-US" smtClean="0"/>
-              <a:t>4/1/2022</a:t>
+              <a:t>5/14/2025</a:t>
             </a:fld>
             <a:endParaRPr lang="en-US" dirty="0"/>
           </a:p>
@@ -4123,7 +4123,7 @@
           <a:p>
             <a:fld id="{921D9284-D300-4297-87F7-E791DCC15DB1}" type="datetimeFigureOut">
               <a:rPr lang="en-US" smtClean="0"/>
-              <a:t>4/1/2022</a:t>
+              <a:t>5/14/2025</a:t>
             </a:fld>
             <a:endParaRPr lang="en-US" dirty="0"/>
           </a:p>
@@ -4383,7 +4383,7 @@
           <a:p>
             <a:fld id="{37D525BB-DA17-4BA0-B3C8-3AC3ABC827E6}" type="datetimeFigureOut">
               <a:rPr lang="en-US" smtClean="0"/>
-              <a:t>4/1/2022</a:t>
+              <a:t>5/14/2025</a:t>
             </a:fld>
             <a:endParaRPr lang="en-US" dirty="0"/>
           </a:p>
@@ -4651,7 +4651,7 @@
           <a:p>
             <a:fld id="{B16C4C9A-3960-41CF-A4E9-2A8FB932454B}" type="datetimeFigureOut">
               <a:rPr lang="en-US" smtClean="0"/>
-              <a:t>4/1/2022</a:t>
+              <a:t>5/14/2025</a:t>
             </a:fld>
             <a:endParaRPr lang="en-US" dirty="0"/>
           </a:p>
@@ -5399,7 +5399,7 @@
           <a:p>
             <a:fld id="{3CBC1C18-307B-4F68-A007-B5B542270E8D}" type="datetimeFigureOut">
               <a:rPr lang="en-US" smtClean="0"/>
-              <a:t>4/1/2022</a:t>
+              <a:t>5/14/2025</a:t>
             </a:fld>
             <a:endParaRPr lang="en-US" dirty="0"/>
           </a:p>
@@ -6007,6 +6007,13 @@
   <p:clrMapOvr>
     <a:masterClrMapping/>
   </p:clrMapOvr>
+  <p:timing>
+    <p:tnLst>
+      <p:par>
+        <p:cTn id="1" dur="indefinite" restart="never" nodeType="tmRoot"/>
+      </p:par>
+    </p:tnLst>
+  </p:timing>
 </p:sld>
 </file>
 
@@ -8568,19 +8575,18 @@
   <a:extraClrSchemeLst/>
   <a:extLst>
     <a:ext uri="{05A4C25C-085E-4340-85A3-A5531E510DB2}">
-      <thm15:themeFamily xmlns="" xmlns:thm15="http://schemas.microsoft.com/office/thememl/2012/main" name="Facet" id="{C0C680CD-088A-49FC-A102-D699147F32B2}" vid="{CFBC31BA-B70F-4F30-BCAA-4F3011E16C4D}"/>
+      <thm15:themeFamily xmlns:thm15="http://schemas.microsoft.com/office/thememl/2012/main" xmlns="" name="Facet" id="{C0C680CD-088A-49FC-A102-D699147F32B2}" vid="{CFBC31BA-B70F-4F30-BCAA-4F3011E16C4D}"/>
     </a:ext>
   </a:extLst>
 </a:theme>
 </file>
 
 <file path=customXml/item1.xml><?xml version="1.0" encoding="utf-8"?>
-<?mso-contentType ?>
-<FormTemplates xmlns="http://schemas.microsoft.com/sharepoint/v3/contenttype/forms">
-  <Display>DocumentLibraryForm</Display>
-  <Edit>DocumentLibraryForm</Edit>
-  <New>DocumentLibraryForm</New>
-</FormTemplates>
+<p:properties xmlns:p="http://schemas.microsoft.com/office/2006/metadata/properties" xmlns:xsi="http://www.w3.org/2001/XMLSchema-instance" xmlns:pc="http://schemas.microsoft.com/office/infopath/2007/PartnerControls">
+  <documentManagement>
+    <Notes xmlns="ff8a4b2e-b0c8-4039-a689-d1a7f36f4382" xsi:nil="true"/>
+  </documentManagement>
+</p:properties>
 </file>
 
 <file path=customXml/item2.xml><?xml version="1.0" encoding="utf-8"?>
@@ -8803,17 +8809,27 @@
 </file>
 
 <file path=customXml/item3.xml><?xml version="1.0" encoding="utf-8"?>
-<p:properties xmlns:p="http://schemas.microsoft.com/office/2006/metadata/properties" xmlns:xsi="http://www.w3.org/2001/XMLSchema-instance" xmlns:pc="http://schemas.microsoft.com/office/infopath/2007/PartnerControls">
-  <documentManagement>
-    <Notes xmlns="ff8a4b2e-b0c8-4039-a689-d1a7f36f4382" xsi:nil="true"/>
-  </documentManagement>
-</p:properties>
+<?mso-contentType ?>
+<FormTemplates xmlns="http://schemas.microsoft.com/sharepoint/v3/contenttype/forms">
+  <Display>DocumentLibraryForm</Display>
+  <Edit>DocumentLibraryForm</Edit>
+  <New>DocumentLibraryForm</New>
+</FormTemplates>
 </file>
 
 <file path=customXml/itemProps1.xml><?xml version="1.0" encoding="utf-8"?>
-<ds:datastoreItem xmlns:ds="http://schemas.openxmlformats.org/officeDocument/2006/customXml" ds:itemID="{DCE51B33-765F-48BE-BF7D-D076854422A4}">
+<ds:datastoreItem xmlns:ds="http://schemas.openxmlformats.org/officeDocument/2006/customXml" ds:itemID="{C2ED95EB-3526-4CE7-8060-15AB3204068D}">
   <ds:schemaRefs>
-    <ds:schemaRef ds:uri="http://schemas.microsoft.com/sharepoint/v3/contenttype/forms"/>
+    <ds:schemaRef ds:uri="http://purl.org/dc/terms/"/>
+    <ds:schemaRef ds:uri="http://purl.org/dc/elements/1.1/"/>
+    <ds:schemaRef ds:uri="http://schemas.microsoft.com/office/2006/documentManagement/types"/>
+    <ds:schemaRef ds:uri="ff8a4b2e-b0c8-4039-a689-d1a7f36f4382"/>
+    <ds:schemaRef ds:uri="http://www.w3.org/XML/1998/namespace"/>
+    <ds:schemaRef ds:uri="http://schemas.microsoft.com/office/2006/metadata/properties"/>
+    <ds:schemaRef ds:uri="http://schemas.microsoft.com/office/infopath/2007/PartnerControls"/>
+    <ds:schemaRef ds:uri="http://schemas.openxmlformats.org/package/2006/metadata/core-properties"/>
+    <ds:schemaRef ds:uri="f716dd8a-49a0-4c40-b209-038e1651b548"/>
+    <ds:schemaRef ds:uri="http://purl.org/dc/dcmitype/"/>
   </ds:schemaRefs>
 </ds:datastoreItem>
 </file>
@@ -8838,18 +8854,9 @@
 </file>
 
 <file path=customXml/itemProps3.xml><?xml version="1.0" encoding="utf-8"?>
-<ds:datastoreItem xmlns:ds="http://schemas.openxmlformats.org/officeDocument/2006/customXml" ds:itemID="{C2ED95EB-3526-4CE7-8060-15AB3204068D}">
+<ds:datastoreItem xmlns:ds="http://schemas.openxmlformats.org/officeDocument/2006/customXml" ds:itemID="{DCE51B33-765F-48BE-BF7D-D076854422A4}">
   <ds:schemaRefs>
-    <ds:schemaRef ds:uri="http://purl.org/dc/terms/"/>
-    <ds:schemaRef ds:uri="http://purl.org/dc/elements/1.1/"/>
-    <ds:schemaRef ds:uri="http://schemas.microsoft.com/office/2006/documentManagement/types"/>
-    <ds:schemaRef ds:uri="ff8a4b2e-b0c8-4039-a689-d1a7f36f4382"/>
-    <ds:schemaRef ds:uri="http://www.w3.org/XML/1998/namespace"/>
-    <ds:schemaRef ds:uri="http://schemas.microsoft.com/office/2006/metadata/properties"/>
-    <ds:schemaRef ds:uri="http://schemas.microsoft.com/office/infopath/2007/PartnerControls"/>
-    <ds:schemaRef ds:uri="http://schemas.openxmlformats.org/package/2006/metadata/core-properties"/>
-    <ds:schemaRef ds:uri="f716dd8a-49a0-4c40-b209-038e1651b548"/>
-    <ds:schemaRef ds:uri="http://purl.org/dc/dcmitype/"/>
+    <ds:schemaRef ds:uri="http://schemas.microsoft.com/sharepoint/v3/contenttype/forms"/>
   </ds:schemaRefs>
 </ds:datastoreItem>
 </file>